--- a/iMAS_single_slide.pptx
+++ b/iMAS_single_slide.pptx
@@ -5,13 +5,14 @@
     <p:sldMasterId id="2147483659" r:id="rId5"/>
   </p:sldMasterIdLst>
   <p:notesMasterIdLst>
-    <p:notesMasterId r:id="rId7"/>
+    <p:notesMasterId r:id="rId8"/>
   </p:notesMasterIdLst>
   <p:handoutMasterIdLst>
-    <p:handoutMasterId r:id="rId8"/>
+    <p:handoutMasterId r:id="rId9"/>
   </p:handoutMasterIdLst>
   <p:sldIdLst>
     <p:sldId id="321" r:id="rId6"/>
+    <p:sldId id="323" r:id="rId7"/>
   </p:sldIdLst>
   <p:sldSz cx="9144000" cy="6858000" type="screen4x3"/>
   <p:notesSz cx="7010400" cy="9296400"/>
@@ -884,91 +885,6 @@
 </p:notesMaster>
 </file>
 
-<file path=ppt/notesSlides/notesSlide1.xml><?xml version="1.0" encoding="utf-8"?>
-<p:notes xmlns:a="http://schemas.openxmlformats.org/drawingml/2006/main" xmlns:r="http://schemas.openxmlformats.org/officeDocument/2006/relationships" xmlns:p="http://schemas.openxmlformats.org/presentationml/2006/main">
-  <p:cSld>
-    <p:spTree>
-      <p:nvGrpSpPr>
-        <p:cNvPr id="1" name=""/>
-        <p:cNvGrpSpPr/>
-        <p:nvPr/>
-      </p:nvGrpSpPr>
-      <p:grpSpPr>
-        <a:xfrm>
-          <a:off x="0" y="0"/>
-          <a:ext cx="0" cy="0"/>
-          <a:chOff x="0" y="0"/>
-          <a:chExt cx="0" cy="0"/>
-        </a:xfrm>
-      </p:grpSpPr>
-      <p:sp>
-        <p:nvSpPr>
-          <p:cNvPr id="2" name="Slide Image Placeholder 1"/>
-          <p:cNvSpPr>
-            <a:spLocks noGrp="1" noRot="1" noChangeAspect="1"/>
-          </p:cNvSpPr>
-          <p:nvPr>
-            <p:ph type="sldImg"/>
-          </p:nvPr>
-        </p:nvSpPr>
-        <p:spPr/>
-      </p:sp>
-      <p:sp>
-        <p:nvSpPr>
-          <p:cNvPr id="3" name="Notes Placeholder 2"/>
-          <p:cNvSpPr>
-            <a:spLocks noGrp="1"/>
-          </p:cNvSpPr>
-          <p:nvPr>
-            <p:ph type="body" idx="1"/>
-          </p:nvPr>
-        </p:nvSpPr>
-        <p:spPr/>
-        <p:txBody>
-          <a:bodyPr/>
-          <a:lstStyle/>
-          <a:p>
-            <a:endParaRPr lang="en-US"/>
-          </a:p>
-        </p:txBody>
-      </p:sp>
-      <p:sp>
-        <p:nvSpPr>
-          <p:cNvPr id="4" name="Slide Number Placeholder 3"/>
-          <p:cNvSpPr>
-            <a:spLocks noGrp="1"/>
-          </p:cNvSpPr>
-          <p:nvPr>
-            <p:ph type="sldNum" sz="quarter" idx="10"/>
-          </p:nvPr>
-        </p:nvSpPr>
-        <p:spPr/>
-        <p:txBody>
-          <a:bodyPr/>
-          <a:lstStyle/>
-          <a:p>
-            <a:fld id="{575D93EA-E77E-4ECF-AC89-CC6B81F2E610}" type="slidenum">
-              <a:rPr lang="en-US" smtClean="0"/>
-              <a:pPr/>
-              <a:t>1</a:t>
-            </a:fld>
-            <a:endParaRPr lang="en-US"/>
-          </a:p>
-        </p:txBody>
-      </p:sp>
-    </p:spTree>
-    <p:extLst>
-      <p:ext uri="{BB962C8B-B14F-4D97-AF65-F5344CB8AC3E}">
-        <p14:creationId xmlns:p14="http://schemas.microsoft.com/office/powerpoint/2010/main" val="1919977724"/>
-      </p:ext>
-    </p:extLst>
-  </p:cSld>
-  <p:clrMapOvr>
-    <a:masterClrMapping/>
-  </p:clrMapOvr>
-</p:notes>
-</file>
-
 <file path=ppt/slideLayouts/slideLayout1.xml><?xml version="1.0" encoding="utf-8"?>
 <p:sldLayout xmlns:a="http://schemas.openxmlformats.org/drawingml/2006/main" xmlns:r="http://schemas.openxmlformats.org/officeDocument/2006/relationships" xmlns:p="http://schemas.openxmlformats.org/presentationml/2006/main" showMasterSp="0" preserve="1">
   <p:cSld name="Title Slide">
@@ -1191,8 +1107,8 @@
         </p:nvSpPr>
         <p:spPr bwMode="auto">
           <a:xfrm>
-            <a:off x="740519" y="6507841"/>
-            <a:ext cx="3735787" cy="240707"/>
+            <a:off x="740520" y="6507841"/>
+            <a:ext cx="1981200" cy="259045"/>
           </a:xfrm>
           <a:prstGeom prst="rect">
             <a:avLst/>
@@ -1207,7 +1123,7 @@
           <a:effectLst/>
         </p:spPr>
         <p:txBody>
-          <a:bodyPr wrap="square">
+          <a:bodyPr>
             <a:spAutoFit/>
           </a:bodyPr>
           <a:lstStyle/>
@@ -1221,19 +1137,58 @@
               </a:spcAft>
             </a:pPr>
             <a:r>
-              <a:rPr lang="en-US" sz="800" b="0" dirty="0" smtClean="0">
+              <a:rPr lang="en-US" sz="800" b="0">
                 <a:solidFill>
-                  <a:schemeClr val="bg1">
-                    <a:lumMod val="75000"/>
+                  <a:schemeClr val="tx1">
+                    <a:lumMod val="50000"/>
+                    <a:lumOff val="50000"/>
                   </a:schemeClr>
                 </a:solidFill>
+                <a:latin typeface="Helvetica LT Std" pitchFamily="34" charset="0"/>
               </a:rPr>
-              <a:t>Approved for Public Release; Distribution Unlimited. 13-1012</a:t>
+              <a:t>For </a:t>
+            </a:r>
+            <a:r>
+              <a:rPr lang="en-US" sz="800" b="0" smtClean="0">
+                <a:solidFill>
+                  <a:schemeClr val="tx1">
+                    <a:lumMod val="50000"/>
+                    <a:lumOff val="50000"/>
+                  </a:schemeClr>
+                </a:solidFill>
+                <a:latin typeface="Helvetica LT Std" pitchFamily="34" charset="0"/>
+              </a:rPr>
+              <a:t>internal </a:t>
+            </a:r>
+            <a:r>
+              <a:rPr lang="en-US" sz="800" b="0">
+                <a:solidFill>
+                  <a:schemeClr val="tx1">
+                    <a:lumMod val="50000"/>
+                    <a:lumOff val="50000"/>
+                  </a:schemeClr>
+                </a:solidFill>
+                <a:latin typeface="Helvetica LT Std" pitchFamily="34" charset="0"/>
+              </a:rPr>
+              <a:t>MITRE </a:t>
+            </a:r>
+            <a:r>
+              <a:rPr lang="en-US" sz="800" b="0" smtClean="0">
+                <a:solidFill>
+                  <a:schemeClr val="tx1">
+                    <a:lumMod val="50000"/>
+                    <a:lumOff val="50000"/>
+                  </a:schemeClr>
+                </a:solidFill>
+                <a:latin typeface="Helvetica LT Std" pitchFamily="34" charset="0"/>
+              </a:rPr>
+              <a:t>use</a:t>
             </a:r>
             <a:endParaRPr lang="en-US" sz="800" b="0" dirty="0">
               <a:solidFill>
-                <a:schemeClr val="bg1">
-                  <a:lumMod val="75000"/>
+                <a:schemeClr val="tx1">
+                  <a:lumMod val="50000"/>
+                  <a:lumOff val="50000"/>
                 </a:schemeClr>
               </a:solidFill>
               <a:latin typeface="Helvetica LT Std" pitchFamily="34" charset="0"/>
@@ -1690,21 +1645,21 @@
           <a:p>
             <a:pPr lvl="0"/>
             <a:r>
-              <a:rPr lang="en-US" dirty="0" smtClean="0"/>
+              <a:rPr lang="en-US" smtClean="0"/>
               <a:t>Click to edit Master text styles</a:t>
             </a:r>
           </a:p>
           <a:p>
             <a:pPr lvl="1"/>
             <a:r>
-              <a:rPr lang="en-US" dirty="0" smtClean="0"/>
+              <a:rPr lang="en-US" smtClean="0"/>
               <a:t>Second level</a:t>
             </a:r>
           </a:p>
           <a:p>
             <a:pPr lvl="2"/>
             <a:r>
-              <a:rPr lang="en-US" dirty="0" smtClean="0"/>
+              <a:rPr lang="en-US" smtClean="0"/>
               <a:t>Third level</a:t>
             </a:r>
           </a:p>
@@ -1723,7 +1678,7 @@
         <p:spPr>
           <a:xfrm>
             <a:off x="620486" y="6594600"/>
-            <a:ext cx="7460258" cy="263400"/>
+            <a:ext cx="5832560" cy="221835"/>
           </a:xfrm>
           <a:prstGeom prst="rect">
             <a:avLst/>
@@ -1760,11 +1715,7 @@
                   </a:schemeClr>
                 </a:solidFill>
               </a:rPr>
-              <a:t>© 2013 The MITRE Corporation. All rights reserved. 	</a:t>
-            </a:r>
-            <a:r>
-              <a:rPr lang="en-US" dirty="0" smtClean="0"/>
-              <a:t>Approved for Public Release; Distribution Unlimited. 13-1012</a:t>
+              <a:t>© 2013 The MITRE Corporation. All rights reserved. 	For internal MITRE use</a:t>
             </a:r>
             <a:endParaRPr lang="en-US" dirty="0">
               <a:solidFill>
@@ -5347,8 +5298,8 @@
         </p:nvSpPr>
         <p:spPr>
           <a:xfrm>
-            <a:off x="618307" y="6594600"/>
-            <a:ext cx="7441171" cy="189365"/>
+            <a:off x="618308" y="6594600"/>
+            <a:ext cx="5834738" cy="221835"/>
           </a:xfrm>
           <a:prstGeom prst="rect">
             <a:avLst/>
@@ -5387,11 +5338,7 @@
                   </a:schemeClr>
                 </a:solidFill>
               </a:rPr>
-              <a:t>© 2013 The MITRE Corporation. All rights reserved.                        </a:t>
-            </a:r>
-            <a:r>
-              <a:rPr lang="en-US" dirty="0" smtClean="0"/>
-              <a:t>Approved for Public Release; Distribution Unlimited. 13-1012</a:t>
+              <a:t>© 2013 The MITRE Corporation. All rights reserved.  For internal MITRE use</a:t>
             </a:r>
             <a:endParaRPr lang="en-US" dirty="0">
               <a:solidFill>
@@ -5918,7 +5865,7 @@
           <p:nvPr/>
         </p:nvPicPr>
         <p:blipFill>
-          <a:blip r:embed="rId3">
+          <a:blip r:embed="rId2">
             <a:extLst>
               <a:ext uri="{28A0092B-C50C-407E-A947-70E740481C1C}">
                 <a14:useLocalDpi xmlns:a14="http://schemas.microsoft.com/office/drawing/2010/main" val="0"/>
@@ -6091,17 +6038,22 @@
           <a:p>
             <a:r>
               <a:rPr lang="en-US" sz="1600" dirty="0" smtClean="0"/>
-              <a:t>Open source researched controls, grow community</a:t>
-            </a:r>
-          </a:p>
-          <a:p>
-            <a:r>
-              <a:rPr lang="en-US" sz="1600" dirty="0"/>
-              <a:t>Raise </a:t>
-            </a:r>
+              <a:t>Controls open source available</a:t>
+            </a:r>
+          </a:p>
+          <a:p>
+            <a:pPr marL="287338" lvl="1" indent="0">
+              <a:buNone/>
+            </a:pPr>
             <a:r>
               <a:rPr lang="en-US" sz="1600" dirty="0" smtClean="0"/>
-              <a:t>iOS app </a:t>
+              <a:t>project-imas.github.com</a:t>
+            </a:r>
+          </a:p>
+          <a:p>
+            <a:r>
+              <a:rPr lang="en-US" sz="1600" dirty="0" smtClean="0"/>
+              <a:t>Raise iOS app </a:t>
             </a:r>
             <a:r>
               <a:rPr lang="en-US" sz="1600" dirty="0"/>
@@ -6109,11 +6061,11 @@
             </a:r>
             <a:r>
               <a:rPr lang="en-US" sz="1600" dirty="0" smtClean="0"/>
-              <a:t>levels</a:t>
+              <a:t>levels - closer </a:t>
             </a:r>
             <a:r>
               <a:rPr lang="en-US" sz="1600" dirty="0"/>
-              <a:t>, bringing it closer to the Art of the Possible</a:t>
+              <a:t>to the Art of the Possible</a:t>
             </a:r>
           </a:p>
           <a:p>
@@ -6179,7 +6131,12 @@
             <p:ph type="ftr" sz="quarter" idx="3"/>
           </p:nvPr>
         </p:nvSpPr>
-        <p:spPr/>
+        <p:spPr>
+          <a:xfrm>
+            <a:off x="620485" y="6594600"/>
+            <a:ext cx="7821765" cy="263400"/>
+          </a:xfrm>
+        </p:spPr>
         <p:txBody>
           <a:bodyPr/>
           <a:lstStyle/>
@@ -6220,7 +6177,7 @@
           <p:nvPr/>
         </p:nvPicPr>
         <p:blipFill>
-          <a:blip r:embed="rId4" cstate="print">
+          <a:blip r:embed="rId3" cstate="print">
             <a:extLst>
               <a:ext uri="{28A0092B-C50C-407E-A947-70E740481C1C}">
                 <a14:useLocalDpi xmlns:a14="http://schemas.microsoft.com/office/drawing/2010/main" val="0"/>
@@ -6287,49 +6244,6 @@
           </a:p>
         </p:txBody>
       </p:sp>
-      <p:pic>
-        <p:nvPicPr>
-          <p:cNvPr id="8" name="Picture 2" descr="Person Photo">
-            <a:hlinkClick r:id=""/>
-          </p:cNvPr>
-          <p:cNvPicPr>
-            <a:picLocks noChangeAspect="1" noChangeArrowheads="1"/>
-          </p:cNvPicPr>
-          <p:nvPr/>
-        </p:nvPicPr>
-        <p:blipFill>
-          <a:blip r:embed="rId5" cstate="print">
-            <a:extLst>
-              <a:ext uri="{28A0092B-C50C-407E-A947-70E740481C1C}">
-                <a14:useLocalDpi xmlns:a14="http://schemas.microsoft.com/office/drawing/2010/main" val="0"/>
-              </a:ext>
-            </a:extLst>
-          </a:blip>
-          <a:srcRect/>
-          <a:stretch>
-            <a:fillRect/>
-          </a:stretch>
-        </p:blipFill>
-        <p:spPr bwMode="auto">
-          <a:xfrm>
-            <a:off x="8136921" y="99666"/>
-            <a:ext cx="745754" cy="932193"/>
-          </a:xfrm>
-          <a:prstGeom prst="rect">
-            <a:avLst/>
-          </a:prstGeom>
-          <a:noFill/>
-          <a:extLst>
-            <a:ext uri="{909E8E84-426E-40DD-AFC4-6F175D3DCCD1}">
-              <a14:hiddenFill xmlns:a14="http://schemas.microsoft.com/office/drawing/2010/main">
-                <a:solidFill>
-                  <a:srgbClr val="FFFFFF"/>
-                </a:solidFill>
-              </a14:hiddenFill>
-            </a:ext>
-          </a:extLst>
-        </p:spPr>
-      </p:pic>
       <p:sp>
         <p:nvSpPr>
           <p:cNvPr id="9" name="TextBox 8"/>
@@ -6339,7 +6253,7 @@
         <p:spPr>
           <a:xfrm>
             <a:off x="8048475" y="1038482"/>
-            <a:ext cx="1021433" cy="271869"/>
+            <a:ext cx="1021433" cy="257635"/>
           </a:xfrm>
           <a:prstGeom prst="rect">
             <a:avLst/>
@@ -6359,7 +6273,7 @@
             </a:pPr>
             <a:r>
               <a:rPr lang="en-US" sz="1050" dirty="0" smtClean="0"/>
-              <a:t>Shawn Valle</a:t>
+              <a:t>Gavin Black</a:t>
             </a:r>
             <a:endParaRPr lang="en-US" sz="1050" dirty="0"/>
           </a:p>
@@ -6606,7 +6520,7 @@
           <p:nvPr/>
         </p:nvPicPr>
         <p:blipFill>
-          <a:blip r:embed="rId6">
+          <a:blip r:embed="rId4">
             <a:extLst>
               <a:ext uri="{28A0092B-C50C-407E-A947-70E740481C1C}">
                 <a14:useLocalDpi xmlns:a14="http://schemas.microsoft.com/office/drawing/2010/main" val="0"/>
@@ -6684,7 +6598,7 @@
             <p:nvPr/>
           </p:nvPicPr>
           <p:blipFill>
-            <a:blip r:embed="rId7" cstate="print">
+            <a:blip r:embed="rId5" cstate="print">
               <a:extLst>
                 <a:ext uri="{28A0092B-C50C-407E-A947-70E740481C1C}">
                   <a14:useLocalDpi xmlns:a14="http://schemas.microsoft.com/office/drawing/2010/main" val="0"/>
@@ -6748,7 +6662,7 @@
             <p:nvPr/>
           </p:nvPicPr>
           <p:blipFill>
-            <a:blip r:embed="rId8" cstate="print">
+            <a:blip r:embed="rId6" cstate="print">
               <a:extLst>
                 <a:ext uri="{28A0092B-C50C-407E-A947-70E740481C1C}">
                   <a14:useLocalDpi xmlns:a14="http://schemas.microsoft.com/office/drawing/2010/main" val="0"/>
@@ -6812,7 +6726,7 @@
             <p:nvPr/>
           </p:nvPicPr>
           <p:blipFill>
-            <a:blip r:embed="rId9" cstate="print">
+            <a:blip r:embed="rId7" cstate="print">
               <a:extLst>
                 <a:ext uri="{28A0092B-C50C-407E-A947-70E740481C1C}">
                   <a14:useLocalDpi xmlns:a14="http://schemas.microsoft.com/office/drawing/2010/main" val="0"/>
@@ -6858,6 +6772,49 @@
           </p:spPr>
         </p:pic>
       </p:grpSp>
+      <p:pic>
+        <p:nvPicPr>
+          <p:cNvPr id="1028" name="Picture 4" descr="Person Photo">
+            <a:hlinkClick r:id=""/>
+          </p:cNvPr>
+          <p:cNvPicPr>
+            <a:picLocks noChangeAspect="1" noChangeArrowheads="1"/>
+          </p:cNvPicPr>
+          <p:nvPr/>
+        </p:nvPicPr>
+        <p:blipFill>
+          <a:blip r:embed="rId8" cstate="print">
+            <a:extLst>
+              <a:ext uri="{28A0092B-C50C-407E-A947-70E740481C1C}">
+                <a14:useLocalDpi xmlns:a14="http://schemas.microsoft.com/office/drawing/2010/main" val="0"/>
+              </a:ext>
+            </a:extLst>
+          </a:blip>
+          <a:srcRect/>
+          <a:stretch>
+            <a:fillRect/>
+          </a:stretch>
+        </p:blipFill>
+        <p:spPr bwMode="auto">
+          <a:xfrm>
+            <a:off x="8161646" y="92695"/>
+            <a:ext cx="762000" cy="952500"/>
+          </a:xfrm>
+          <a:prstGeom prst="rect">
+            <a:avLst/>
+          </a:prstGeom>
+          <a:noFill/>
+          <a:extLst>
+            <a:ext uri="{909E8E84-426E-40DD-AFC4-6F175D3DCCD1}">
+              <a14:hiddenFill xmlns:a14="http://schemas.microsoft.com/office/drawing/2010/main">
+                <a:solidFill>
+                  <a:srgbClr val="FFFFFF"/>
+                </a:solidFill>
+              </a14:hiddenFill>
+            </a:ext>
+          </a:extLst>
+        </p:spPr>
+      </p:pic>
     </p:spTree>
     <p:extLst>
       <p:ext uri="{BB962C8B-B14F-4D97-AF65-F5344CB8AC3E}">
@@ -6875,6 +6832,428 @@
       </p:par>
     </p:tnLst>
   </p:timing>
+</p:sld>
+</file>
+
+<file path=ppt/slides/slide2.xml><?xml version="1.0" encoding="utf-8"?>
+<p:sld xmlns:a="http://schemas.openxmlformats.org/drawingml/2006/main" xmlns:r="http://schemas.openxmlformats.org/officeDocument/2006/relationships" xmlns:p="http://schemas.openxmlformats.org/presentationml/2006/main">
+  <p:cSld>
+    <p:spTree>
+      <p:nvGrpSpPr>
+        <p:cNvPr id="1" name=""/>
+        <p:cNvGrpSpPr/>
+        <p:nvPr/>
+      </p:nvGrpSpPr>
+      <p:grpSpPr>
+        <a:xfrm>
+          <a:off x="0" y="0"/>
+          <a:ext cx="0" cy="0"/>
+          <a:chOff x="0" y="0"/>
+          <a:chExt cx="0" cy="0"/>
+        </a:xfrm>
+      </p:grpSpPr>
+      <p:sp>
+        <p:nvSpPr>
+          <p:cNvPr id="2" name="Title 1"/>
+          <p:cNvSpPr>
+            <a:spLocks noGrp="1"/>
+          </p:cNvSpPr>
+          <p:nvPr>
+            <p:ph type="title"/>
+          </p:nvPr>
+        </p:nvSpPr>
+        <p:spPr>
+          <a:xfrm>
+            <a:off x="386307" y="274638"/>
+            <a:ext cx="8229600" cy="868362"/>
+          </a:xfrm>
+        </p:spPr>
+        <p:txBody>
+          <a:bodyPr/>
+          <a:lstStyle/>
+          <a:p>
+            <a:r>
+              <a:rPr lang="en-US" dirty="0" smtClean="0"/>
+              <a:t>Contact</a:t>
+            </a:r>
+            <a:endParaRPr lang="en-US" dirty="0"/>
+          </a:p>
+        </p:txBody>
+      </p:sp>
+      <p:sp>
+        <p:nvSpPr>
+          <p:cNvPr id="3" name="Content Placeholder 2"/>
+          <p:cNvSpPr>
+            <a:spLocks noGrp="1"/>
+          </p:cNvSpPr>
+          <p:nvPr>
+            <p:ph idx="1"/>
+          </p:nvPr>
+        </p:nvSpPr>
+        <p:spPr>
+          <a:xfrm>
+            <a:off x="386307" y="1447800"/>
+            <a:ext cx="8229600" cy="4678363"/>
+          </a:xfrm>
+        </p:spPr>
+        <p:txBody>
+          <a:bodyPr/>
+          <a:lstStyle/>
+          <a:p>
+            <a:r>
+              <a:rPr lang="en-US" dirty="0" smtClean="0"/>
+              <a:t>Github:</a:t>
+            </a:r>
+          </a:p>
+          <a:p>
+            <a:pPr marL="287338" lvl="1" indent="0">
+              <a:buNone/>
+            </a:pPr>
+            <a:r>
+              <a:rPr lang="en-US" dirty="0" smtClean="0">
+                <a:hlinkClick r:id="rId2" action="ppaction://hlinkfile"/>
+              </a:rPr>
+              <a:t>project-imas.github.com</a:t>
+            </a:r>
+            <a:endParaRPr lang="en-US" dirty="0" smtClean="0"/>
+          </a:p>
+          <a:p>
+            <a:pPr lvl="1"/>
+            <a:endParaRPr lang="en-US" dirty="0"/>
+          </a:p>
+          <a:p>
+            <a:pPr lvl="1"/>
+            <a:endParaRPr lang="en-US" dirty="0" smtClean="0"/>
+          </a:p>
+          <a:p>
+            <a:r>
+              <a:rPr lang="en-US" dirty="0" smtClean="0"/>
+              <a:t>POC:</a:t>
+            </a:r>
+          </a:p>
+          <a:p>
+            <a:pPr lvl="1"/>
+            <a:r>
+              <a:rPr lang="en-US" dirty="0" smtClean="0"/>
+              <a:t>MITRE, Bedford MA</a:t>
+            </a:r>
+          </a:p>
+          <a:p>
+            <a:pPr lvl="1"/>
+            <a:r>
+              <a:rPr lang="en-US" dirty="0" smtClean="0"/>
+              <a:t>Gregg Ganley</a:t>
+            </a:r>
+          </a:p>
+          <a:p>
+            <a:pPr lvl="2"/>
+            <a:r>
+              <a:rPr lang="en-US" dirty="0" smtClean="0"/>
+              <a:t>781-271-2739</a:t>
+            </a:r>
+          </a:p>
+          <a:p>
+            <a:pPr lvl="2"/>
+            <a:r>
+              <a:rPr lang="en-US" dirty="0" smtClean="0"/>
+              <a:t>gganley@mitre.org</a:t>
+            </a:r>
+          </a:p>
+          <a:p>
+            <a:pPr lvl="1"/>
+            <a:r>
+              <a:rPr lang="en-US" dirty="0" smtClean="0"/>
+              <a:t>Gavin Black</a:t>
+            </a:r>
+          </a:p>
+          <a:p>
+            <a:pPr lvl="2"/>
+            <a:r>
+              <a:rPr lang="en-US" dirty="0" smtClean="0"/>
+              <a:t>781-271-4771</a:t>
+            </a:r>
+          </a:p>
+          <a:p>
+            <a:pPr lvl="2"/>
+            <a:r>
+              <a:rPr lang="en-US" b="1" dirty="0">
+                <a:hlinkClick r:id="rId3"/>
+              </a:rPr>
+              <a:t>gblack@mitre.org</a:t>
+            </a:r>
+            <a:endParaRPr lang="en-US" dirty="0"/>
+          </a:p>
+        </p:txBody>
+      </p:sp>
+      <p:sp>
+        <p:nvSpPr>
+          <p:cNvPr id="4" name="Footer Placeholder 3"/>
+          <p:cNvSpPr>
+            <a:spLocks noGrp="1"/>
+          </p:cNvSpPr>
+          <p:nvPr>
+            <p:ph type="ftr" sz="quarter" idx="3"/>
+          </p:nvPr>
+        </p:nvSpPr>
+        <p:spPr>
+          <a:xfrm>
+            <a:off x="620485" y="6594600"/>
+            <a:ext cx="7545319" cy="263400"/>
+          </a:xfrm>
+        </p:spPr>
+        <p:txBody>
+          <a:bodyPr/>
+          <a:lstStyle/>
+          <a:p>
+            <a:pPr algn="l"/>
+            <a:r>
+              <a:rPr lang="en-US" dirty="0" smtClean="0">
+                <a:solidFill>
+                  <a:schemeClr val="tx1">
+                    <a:lumMod val="50000"/>
+                    <a:lumOff val="50000"/>
+                  </a:schemeClr>
+                </a:solidFill>
+              </a:rPr>
+              <a:t>© 2013 The MITRE Corporation. All rights reserved. 	</a:t>
+            </a:r>
+            <a:r>
+              <a:rPr lang="en-US" dirty="0" smtClean="0"/>
+              <a:t>Approved for Public Release; Distribution Unlimited. 13-1012</a:t>
+            </a:r>
+            <a:endParaRPr lang="en-US" dirty="0">
+              <a:solidFill>
+                <a:schemeClr val="tx1">
+                  <a:lumMod val="50000"/>
+                  <a:lumOff val="50000"/>
+                </a:schemeClr>
+              </a:solidFill>
+            </a:endParaRPr>
+          </a:p>
+        </p:txBody>
+      </p:sp>
+      <p:pic>
+        <p:nvPicPr>
+          <p:cNvPr id="2052" name="Picture 4"/>
+          <p:cNvPicPr>
+            <a:picLocks noChangeAspect="1" noChangeArrowheads="1"/>
+          </p:cNvPicPr>
+          <p:nvPr/>
+        </p:nvPicPr>
+        <p:blipFill>
+          <a:blip r:embed="rId4">
+            <a:extLst>
+              <a:ext uri="{28A0092B-C50C-407E-A947-70E740481C1C}">
+                <a14:useLocalDpi xmlns:a14="http://schemas.microsoft.com/office/drawing/2010/main" val="0"/>
+              </a:ext>
+            </a:extLst>
+          </a:blip>
+          <a:srcRect/>
+          <a:stretch>
+            <a:fillRect/>
+          </a:stretch>
+        </p:blipFill>
+        <p:spPr bwMode="auto">
+          <a:xfrm>
+            <a:off x="431504" y="6286722"/>
+            <a:ext cx="838200" cy="323850"/>
+          </a:xfrm>
+          <a:prstGeom prst="rect">
+            <a:avLst/>
+          </a:prstGeom>
+          <a:noFill/>
+          <a:ln>
+            <a:noFill/>
+          </a:ln>
+          <a:extLst>
+            <a:ext uri="{909E8E84-426E-40DD-AFC4-6F175D3DCCD1}">
+              <a14:hiddenFill xmlns:a14="http://schemas.microsoft.com/office/drawing/2010/main">
+                <a:solidFill>
+                  <a:schemeClr val="accent1"/>
+                </a:solidFill>
+              </a14:hiddenFill>
+            </a:ext>
+            <a:ext uri="{91240B29-F687-4F45-9708-019B960494DF}">
+              <a14:hiddenLine xmlns:a14="http://schemas.microsoft.com/office/drawing/2010/main" w="9525">
+                <a:solidFill>
+                  <a:schemeClr val="tx1"/>
+                </a:solidFill>
+                <a:miter lim="800000"/>
+                <a:headEnd/>
+                <a:tailEnd/>
+              </a14:hiddenLine>
+            </a:ext>
+          </a:extLst>
+        </p:spPr>
+      </p:pic>
+      <p:sp>
+        <p:nvSpPr>
+          <p:cNvPr id="6" name="Rectangle 5"/>
+          <p:cNvSpPr/>
+          <p:nvPr/>
+        </p:nvSpPr>
+        <p:spPr>
+          <a:xfrm>
+            <a:off x="8140148" y="6381972"/>
+            <a:ext cx="755374" cy="457200"/>
+          </a:xfrm>
+          <a:prstGeom prst="rect">
+            <a:avLst/>
+          </a:prstGeom>
+          <a:solidFill>
+            <a:schemeClr val="bg1"/>
+          </a:solidFill>
+          <a:ln w="6350">
+            <a:noFill/>
+          </a:ln>
+        </p:spPr>
+        <p:style>
+          <a:lnRef idx="2">
+            <a:schemeClr val="accent1">
+              <a:shade val="50000"/>
+            </a:schemeClr>
+          </a:lnRef>
+          <a:fillRef idx="1">
+            <a:schemeClr val="accent1"/>
+          </a:fillRef>
+          <a:effectRef idx="0">
+            <a:schemeClr val="accent1"/>
+          </a:effectRef>
+          <a:fontRef idx="minor">
+            <a:schemeClr val="lt1"/>
+          </a:fontRef>
+        </p:style>
+        <p:txBody>
+          <a:bodyPr rtlCol="0" anchor="ctr"/>
+          <a:lstStyle/>
+          <a:p>
+            <a:pPr algn="ctr"/>
+            <a:endParaRPr lang="en-US" smtClean="0">
+              <a:solidFill>
+                <a:schemeClr val="tx1"/>
+              </a:solidFill>
+            </a:endParaRPr>
+          </a:p>
+        </p:txBody>
+      </p:sp>
+      <p:pic>
+        <p:nvPicPr>
+          <p:cNvPr id="2057" name="Picture 9"/>
+          <p:cNvPicPr>
+            <a:picLocks noChangeAspect="1" noChangeArrowheads="1"/>
+          </p:cNvPicPr>
+          <p:nvPr/>
+        </p:nvPicPr>
+        <p:blipFill>
+          <a:blip r:embed="rId5">
+            <a:extLst>
+              <a:ext uri="{28A0092B-C50C-407E-A947-70E740481C1C}">
+                <a14:useLocalDpi xmlns:a14="http://schemas.microsoft.com/office/drawing/2010/main" val="0"/>
+              </a:ext>
+            </a:extLst>
+          </a:blip>
+          <a:srcRect/>
+          <a:stretch>
+            <a:fillRect/>
+          </a:stretch>
+        </p:blipFill>
+        <p:spPr bwMode="auto">
+          <a:xfrm>
+            <a:off x="3896314" y="29817"/>
+            <a:ext cx="5133899" cy="3419061"/>
+          </a:xfrm>
+          <a:prstGeom prst="rect">
+            <a:avLst/>
+          </a:prstGeom>
+          <a:noFill/>
+          <a:ln>
+            <a:noFill/>
+          </a:ln>
+          <a:extLst>
+            <a:ext uri="{909E8E84-426E-40DD-AFC4-6F175D3DCCD1}">
+              <a14:hiddenFill xmlns:a14="http://schemas.microsoft.com/office/drawing/2010/main">
+                <a:solidFill>
+                  <a:schemeClr val="accent1"/>
+                </a:solidFill>
+              </a14:hiddenFill>
+            </a:ext>
+            <a:ext uri="{91240B29-F687-4F45-9708-019B960494DF}">
+              <a14:hiddenLine xmlns:a14="http://schemas.microsoft.com/office/drawing/2010/main" w="9525">
+                <a:solidFill>
+                  <a:schemeClr val="tx1"/>
+                </a:solidFill>
+                <a:miter lim="800000"/>
+                <a:headEnd/>
+                <a:tailEnd/>
+              </a14:hiddenLine>
+            </a:ext>
+          </a:extLst>
+        </p:spPr>
+      </p:pic>
+      <p:pic>
+        <p:nvPicPr>
+          <p:cNvPr id="2058" name="Picture 10"/>
+          <p:cNvPicPr>
+            <a:picLocks noChangeAspect="1" noChangeArrowheads="1"/>
+          </p:cNvPicPr>
+          <p:nvPr/>
+        </p:nvPicPr>
+        <p:blipFill>
+          <a:blip r:embed="rId6">
+            <a:extLst>
+              <a:ext uri="{28A0092B-C50C-407E-A947-70E740481C1C}">
+                <a14:useLocalDpi xmlns:a14="http://schemas.microsoft.com/office/drawing/2010/main" val="0"/>
+              </a:ext>
+            </a:extLst>
+          </a:blip>
+          <a:srcRect/>
+          <a:stretch>
+            <a:fillRect/>
+          </a:stretch>
+        </p:blipFill>
+        <p:spPr bwMode="auto">
+          <a:xfrm>
+            <a:off x="3906252" y="3558209"/>
+            <a:ext cx="5133899" cy="3052363"/>
+          </a:xfrm>
+          <a:prstGeom prst="rect">
+            <a:avLst/>
+          </a:prstGeom>
+          <a:noFill/>
+          <a:ln>
+            <a:noFill/>
+          </a:ln>
+          <a:extLst>
+            <a:ext uri="{909E8E84-426E-40DD-AFC4-6F175D3DCCD1}">
+              <a14:hiddenFill xmlns:a14="http://schemas.microsoft.com/office/drawing/2010/main">
+                <a:solidFill>
+                  <a:schemeClr val="accent1"/>
+                </a:solidFill>
+              </a14:hiddenFill>
+            </a:ext>
+            <a:ext uri="{91240B29-F687-4F45-9708-019B960494DF}">
+              <a14:hiddenLine xmlns:a14="http://schemas.microsoft.com/office/drawing/2010/main" w="9525">
+                <a:solidFill>
+                  <a:schemeClr val="tx1"/>
+                </a:solidFill>
+                <a:miter lim="800000"/>
+                <a:headEnd/>
+                <a:tailEnd/>
+              </a14:hiddenLine>
+            </a:ext>
+          </a:extLst>
+        </p:spPr>
+      </p:pic>
+    </p:spTree>
+    <p:extLst>
+      <p:ext uri="{BB962C8B-B14F-4D97-AF65-F5344CB8AC3E}">
+        <p14:creationId xmlns:p14="http://schemas.microsoft.com/office/powerpoint/2010/main" val="201073835"/>
+      </p:ext>
+    </p:extLst>
+  </p:cSld>
+  <p:clrMapOvr>
+    <a:masterClrMapping/>
+  </p:clrMapOvr>
 </p:sld>
 </file>
 
@@ -7754,13 +8133,13 @@
 </file>
 
 <file path=customXml/item1.xml><?xml version="1.0" encoding="utf-8"?>
-<p:properties xmlns:p="http://schemas.microsoft.com/office/2006/metadata/properties" xmlns:xsi="http://www.w3.org/2001/XMLSchema-instance">
-  <documentManagement>
-    <Category xmlns="18805aa9-8142-4aae-b41c-bcf915c19812">Template</Category>
-    <MITRE_x0020_Sensitivity xmlns="http://schemas.microsoft.com/sharepoint/v3">Internal MITRE Information</MITRE_x0020_Sensitivity>
-    <Release_x0020_Statement xmlns="http://schemas.microsoft.com/sharepoint/v3">For Internal MITRE Use</Release_x0020_Statement>
-  </documentManagement>
-</p:properties>
+<?mso-contentType ?>
+<customXsn xmlns="http://schemas.microsoft.com/office/2006/metadata/customXsn">
+  <xsnLocation/>
+  <cached>True</cached>
+  <openByDefault>True</openByDefault>
+  <xsnScope/>
+</customXsn>
 </file>
 
 <file path=customXml/item2.xml><?xml version="1.0" encoding="utf-8"?>
@@ -7773,13 +8152,13 @@
 </file>
 
 <file path=customXml/item3.xml><?xml version="1.0" encoding="utf-8"?>
-<?mso-contentType ?>
-<customXsn xmlns="http://schemas.microsoft.com/office/2006/metadata/customXsn">
-  <xsnLocation/>
-  <cached>True</cached>
-  <openByDefault>True</openByDefault>
-  <xsnScope/>
-</customXsn>
+<p:properties xmlns:p="http://schemas.microsoft.com/office/2006/metadata/properties" xmlns:xsi="http://www.w3.org/2001/XMLSchema-instance">
+  <documentManagement>
+    <Category xmlns="18805aa9-8142-4aae-b41c-bcf915c19812">Other</Category>
+    <MITRE_x0020_Sensitivity xmlns="http://schemas.microsoft.com/sharepoint/v3">Public Information</MITRE_x0020_Sensitivity>
+    <Release_x0020_Statement xmlns="http://schemas.microsoft.com/sharepoint/v3">Approved for Public Release</Release_x0020_Statement>
+  </documentManagement>
+</p:properties>
 </file>
 
 <file path=customXml/item4.xml><?xml version="1.0" encoding="utf-8"?>
@@ -7957,18 +8336,9 @@
 </file>
 
 <file path=customXml/itemProps1.xml><?xml version="1.0" encoding="utf-8"?>
-<ds:datastoreItem xmlns:ds="http://schemas.openxmlformats.org/officeDocument/2006/customXml" ds:itemID="{D06E5B1B-B998-4E41-9B1B-28665947B374}">
+<ds:datastoreItem xmlns:ds="http://schemas.openxmlformats.org/officeDocument/2006/customXml" ds:itemID="{2EAF5A4B-33D3-40BC-9E31-587ACDD3D415}">
   <ds:schemaRefs>
-    <ds:schemaRef ds:uri="http://purl.org/dc/terms/"/>
-    <ds:schemaRef ds:uri="http://schemas.openxmlformats.org/package/2006/metadata/core-properties"/>
-    <ds:schemaRef ds:uri="http://schemas.microsoft.com/office/2006/documentManagement/types"/>
-    <ds:schemaRef ds:uri="http://schemas.microsoft.com/office/2006/metadata/properties"/>
-    <ds:schemaRef ds:uri="http://purl.org/dc/dcmitype/"/>
-    <ds:schemaRef ds:uri="http://purl.org/dc/elements/1.1/"/>
-    <ds:schemaRef ds:uri="http://schemas.microsoft.com/office/infopath/2007/PartnerControls"/>
-    <ds:schemaRef ds:uri="http://schemas.microsoft.com/sharepoint/v3"/>
-    <ds:schemaRef ds:uri="18805aa9-8142-4aae-b41c-bcf915c19812"/>
-    <ds:schemaRef ds:uri="http://www.w3.org/XML/1998/namespace"/>
+    <ds:schemaRef ds:uri="http://schemas.microsoft.com/office/2006/metadata/customXsn"/>
   </ds:schemaRefs>
 </ds:datastoreItem>
 </file>
@@ -7982,9 +8352,18 @@
 </file>
 
 <file path=customXml/itemProps3.xml><?xml version="1.0" encoding="utf-8"?>
-<ds:datastoreItem xmlns:ds="http://schemas.openxmlformats.org/officeDocument/2006/customXml" ds:itemID="{2EAF5A4B-33D3-40BC-9E31-587ACDD3D415}">
+<ds:datastoreItem xmlns:ds="http://schemas.openxmlformats.org/officeDocument/2006/customXml" ds:itemID="{D06E5B1B-B998-4E41-9B1B-28665947B374}">
   <ds:schemaRefs>
-    <ds:schemaRef ds:uri="http://schemas.microsoft.com/office/2006/metadata/customXsn"/>
+    <ds:schemaRef ds:uri="http://schemas.microsoft.com/office/2006/documentManagement/types"/>
+    <ds:schemaRef ds:uri="http://purl.org/dc/terms/"/>
+    <ds:schemaRef ds:uri="http://purl.org/dc/elements/1.1/"/>
+    <ds:schemaRef ds:uri="http://schemas.microsoft.com/office/infopath/2007/PartnerControls"/>
+    <ds:schemaRef ds:uri="http://schemas.microsoft.com/office/2006/metadata/properties"/>
+    <ds:schemaRef ds:uri="http://schemas.openxmlformats.org/package/2006/metadata/core-properties"/>
+    <ds:schemaRef ds:uri="18805aa9-8142-4aae-b41c-bcf915c19812"/>
+    <ds:schemaRef ds:uri="http://schemas.microsoft.com/sharepoint/v3"/>
+    <ds:schemaRef ds:uri="http://www.w3.org/XML/1998/namespace"/>
+    <ds:schemaRef ds:uri="http://purl.org/dc/dcmitype/"/>
   </ds:schemaRefs>
 </ds:datastoreItem>
 </file>
